--- a/Images/VLB Logo.pptx
+++ b/Images/VLB Logo.pptx
@@ -6,6 +6,7 @@
   </p:sldMasterIdLst>
   <p:sldIdLst>
     <p:sldId id="256" r:id="rId2"/>
+    <p:sldId id="257" r:id="rId3"/>
   </p:sldIdLst>
   <p:sldSz cx="12192000" cy="6858000"/>
   <p:notesSz cx="6858000" cy="9144000"/>
@@ -259,7 +260,7 @@
           <a:p>
             <a:fld id="{A0CA092F-2487-4940-BEC3-1FCB43967E1D}" type="datetimeFigureOut">
               <a:rPr lang="en-US" smtClean="0"/>
-              <a:t>1/12/2022</a:t>
+              <a:t>1/19/2022</a:t>
             </a:fld>
             <a:endParaRPr lang="en-US"/>
           </a:p>
@@ -457,7 +458,7 @@
           <a:p>
             <a:fld id="{A0CA092F-2487-4940-BEC3-1FCB43967E1D}" type="datetimeFigureOut">
               <a:rPr lang="en-US" smtClean="0"/>
-              <a:t>1/12/2022</a:t>
+              <a:t>1/19/2022</a:t>
             </a:fld>
             <a:endParaRPr lang="en-US"/>
           </a:p>
@@ -665,7 +666,7 @@
           <a:p>
             <a:fld id="{A0CA092F-2487-4940-BEC3-1FCB43967E1D}" type="datetimeFigureOut">
               <a:rPr lang="en-US" smtClean="0"/>
-              <a:t>1/12/2022</a:t>
+              <a:t>1/19/2022</a:t>
             </a:fld>
             <a:endParaRPr lang="en-US"/>
           </a:p>
@@ -863,7 +864,7 @@
           <a:p>
             <a:fld id="{A0CA092F-2487-4940-BEC3-1FCB43967E1D}" type="datetimeFigureOut">
               <a:rPr lang="en-US" smtClean="0"/>
-              <a:t>1/12/2022</a:t>
+              <a:t>1/19/2022</a:t>
             </a:fld>
             <a:endParaRPr lang="en-US"/>
           </a:p>
@@ -1138,7 +1139,7 @@
           <a:p>
             <a:fld id="{A0CA092F-2487-4940-BEC3-1FCB43967E1D}" type="datetimeFigureOut">
               <a:rPr lang="en-US" smtClean="0"/>
-              <a:t>1/12/2022</a:t>
+              <a:t>1/19/2022</a:t>
             </a:fld>
             <a:endParaRPr lang="en-US"/>
           </a:p>
@@ -1403,7 +1404,7 @@
           <a:p>
             <a:fld id="{A0CA092F-2487-4940-BEC3-1FCB43967E1D}" type="datetimeFigureOut">
               <a:rPr lang="en-US" smtClean="0"/>
-              <a:t>1/12/2022</a:t>
+              <a:t>1/19/2022</a:t>
             </a:fld>
             <a:endParaRPr lang="en-US"/>
           </a:p>
@@ -1815,7 +1816,7 @@
           <a:p>
             <a:fld id="{A0CA092F-2487-4940-BEC3-1FCB43967E1D}" type="datetimeFigureOut">
               <a:rPr lang="en-US" smtClean="0"/>
-              <a:t>1/12/2022</a:t>
+              <a:t>1/19/2022</a:t>
             </a:fld>
             <a:endParaRPr lang="en-US"/>
           </a:p>
@@ -1956,7 +1957,7 @@
           <a:p>
             <a:fld id="{A0CA092F-2487-4940-BEC3-1FCB43967E1D}" type="datetimeFigureOut">
               <a:rPr lang="en-US" smtClean="0"/>
-              <a:t>1/12/2022</a:t>
+              <a:t>1/19/2022</a:t>
             </a:fld>
             <a:endParaRPr lang="en-US"/>
           </a:p>
@@ -2069,7 +2070,7 @@
           <a:p>
             <a:fld id="{A0CA092F-2487-4940-BEC3-1FCB43967E1D}" type="datetimeFigureOut">
               <a:rPr lang="en-US" smtClean="0"/>
-              <a:t>1/12/2022</a:t>
+              <a:t>1/19/2022</a:t>
             </a:fld>
             <a:endParaRPr lang="en-US"/>
           </a:p>
@@ -2380,7 +2381,7 @@
           <a:p>
             <a:fld id="{A0CA092F-2487-4940-BEC3-1FCB43967E1D}" type="datetimeFigureOut">
               <a:rPr lang="en-US" smtClean="0"/>
-              <a:t>1/12/2022</a:t>
+              <a:t>1/19/2022</a:t>
             </a:fld>
             <a:endParaRPr lang="en-US"/>
           </a:p>
@@ -2668,7 +2669,7 @@
           <a:p>
             <a:fld id="{A0CA092F-2487-4940-BEC3-1FCB43967E1D}" type="datetimeFigureOut">
               <a:rPr lang="en-US" smtClean="0"/>
-              <a:t>1/12/2022</a:t>
+              <a:t>1/19/2022</a:t>
             </a:fld>
             <a:endParaRPr lang="en-US"/>
           </a:p>
@@ -2909,7 +2910,7 @@
           <a:p>
             <a:fld id="{A0CA092F-2487-4940-BEC3-1FCB43967E1D}" type="datetimeFigureOut">
               <a:rPr lang="en-US" smtClean="0"/>
-              <a:t>1/12/2022</a:t>
+              <a:t>1/19/2022</a:t>
             </a:fld>
             <a:endParaRPr lang="en-US"/>
           </a:p>
@@ -3703,6 +3704,818 @@
 </p:sld>
 </file>
 
+<file path=ppt/slides/slide2.xml><?xml version="1.0" encoding="utf-8"?>
+<p:sld xmlns:a="http://schemas.openxmlformats.org/drawingml/2006/main" xmlns:r="http://schemas.openxmlformats.org/officeDocument/2006/relationships" xmlns:p="http://schemas.openxmlformats.org/presentationml/2006/main">
+  <p:cSld>
+    <p:spTree>
+      <p:nvGrpSpPr>
+        <p:cNvPr id="1" name=""/>
+        <p:cNvGrpSpPr/>
+        <p:nvPr/>
+      </p:nvGrpSpPr>
+      <p:grpSpPr>
+        <a:xfrm>
+          <a:off x="0" y="0"/>
+          <a:ext cx="0" cy="0"/>
+          <a:chOff x="0" y="0"/>
+          <a:chExt cx="0" cy="0"/>
+        </a:xfrm>
+      </p:grpSpPr>
+      <p:grpSp>
+        <p:nvGrpSpPr>
+          <p:cNvPr id="27" name="Group 26">
+            <a:extLst>
+              <a:ext uri="{FF2B5EF4-FFF2-40B4-BE49-F238E27FC236}">
+                <a16:creationId xmlns:a16="http://schemas.microsoft.com/office/drawing/2014/main" id="{5CC6DDB6-54B3-4DB7-9154-AB216B4E763B}"/>
+              </a:ext>
+            </a:extLst>
+          </p:cNvPr>
+          <p:cNvGrpSpPr/>
+          <p:nvPr/>
+        </p:nvGrpSpPr>
+        <p:grpSpPr>
+          <a:xfrm>
+            <a:off x="2872596" y="327804"/>
+            <a:ext cx="6055744" cy="5159852"/>
+            <a:chOff x="2872596" y="327804"/>
+            <a:chExt cx="6055744" cy="5159852"/>
+          </a:xfrm>
+        </p:grpSpPr>
+        <p:sp>
+          <p:nvSpPr>
+            <p:cNvPr id="6" name="Rectangle 5">
+              <a:extLst>
+                <a:ext uri="{FF2B5EF4-FFF2-40B4-BE49-F238E27FC236}">
+                  <a16:creationId xmlns:a16="http://schemas.microsoft.com/office/drawing/2014/main" id="{BA423FE7-FCEF-45FC-BC79-FA4BCCA683E8}"/>
+                </a:ext>
+              </a:extLst>
+            </p:cNvPr>
+            <p:cNvSpPr/>
+            <p:nvPr/>
+          </p:nvSpPr>
+          <p:spPr>
+            <a:xfrm>
+              <a:off x="2872596" y="327804"/>
+              <a:ext cx="6055744" cy="5159852"/>
+            </a:xfrm>
+            <a:prstGeom prst="rect">
+              <a:avLst/>
+            </a:prstGeom>
+            <a:solidFill>
+              <a:schemeClr val="bg2">
+                <a:lumMod val="75000"/>
+              </a:schemeClr>
+            </a:solidFill>
+            <a:ln w="76200">
+              <a:solidFill>
+                <a:schemeClr val="tx1"/>
+              </a:solidFill>
+            </a:ln>
+          </p:spPr>
+          <p:style>
+            <a:lnRef idx="2">
+              <a:schemeClr val="accent1">
+                <a:shade val="50000"/>
+              </a:schemeClr>
+            </a:lnRef>
+            <a:fillRef idx="1">
+              <a:schemeClr val="accent1"/>
+            </a:fillRef>
+            <a:effectRef idx="0">
+              <a:schemeClr val="accent1"/>
+            </a:effectRef>
+            <a:fontRef idx="minor">
+              <a:schemeClr val="lt1"/>
+            </a:fontRef>
+          </p:style>
+          <p:txBody>
+            <a:bodyPr rtlCol="0" anchor="ctr"/>
+            <a:lstStyle/>
+            <a:p>
+              <a:pPr algn="ctr"/>
+              <a:endParaRPr lang="en-US"/>
+            </a:p>
+          </p:txBody>
+        </p:sp>
+        <p:sp>
+          <p:nvSpPr>
+            <p:cNvPr id="7" name="Rectangle: Rounded Corners 6">
+              <a:extLst>
+                <a:ext uri="{FF2B5EF4-FFF2-40B4-BE49-F238E27FC236}">
+                  <a16:creationId xmlns:a16="http://schemas.microsoft.com/office/drawing/2014/main" id="{D9F9452F-142C-4387-A2C3-3F20388F0F8D}"/>
+                </a:ext>
+              </a:extLst>
+            </p:cNvPr>
+            <p:cNvSpPr/>
+            <p:nvPr/>
+          </p:nvSpPr>
+          <p:spPr>
+            <a:xfrm>
+              <a:off x="3211474" y="1138682"/>
+              <a:ext cx="1690778" cy="1069675"/>
+            </a:xfrm>
+            <a:prstGeom prst="roundRect">
+              <a:avLst/>
+            </a:prstGeom>
+            <a:solidFill>
+              <a:srgbClr val="FF0000"/>
+            </a:solidFill>
+            <a:ln w="57150">
+              <a:solidFill>
+                <a:schemeClr val="tx1"/>
+              </a:solidFill>
+            </a:ln>
+          </p:spPr>
+          <p:style>
+            <a:lnRef idx="2">
+              <a:schemeClr val="accent1">
+                <a:shade val="50000"/>
+              </a:schemeClr>
+            </a:lnRef>
+            <a:fillRef idx="1">
+              <a:schemeClr val="accent1"/>
+            </a:fillRef>
+            <a:effectRef idx="0">
+              <a:schemeClr val="accent1"/>
+            </a:effectRef>
+            <a:fontRef idx="minor">
+              <a:schemeClr val="lt1"/>
+            </a:fontRef>
+          </p:style>
+          <p:txBody>
+            <a:bodyPr rtlCol="0" anchor="ctr"/>
+            <a:lstStyle/>
+            <a:p>
+              <a:pPr algn="ctr"/>
+              <a:endParaRPr lang="en-US"/>
+            </a:p>
+          </p:txBody>
+        </p:sp>
+        <p:sp>
+          <p:nvSpPr>
+            <p:cNvPr id="8" name="Rectangle: Rounded Corners 7">
+              <a:extLst>
+                <a:ext uri="{FF2B5EF4-FFF2-40B4-BE49-F238E27FC236}">
+                  <a16:creationId xmlns:a16="http://schemas.microsoft.com/office/drawing/2014/main" id="{66B47F65-EC6E-4DBB-8BC5-F8AAD3503F38}"/>
+                </a:ext>
+              </a:extLst>
+            </p:cNvPr>
+            <p:cNvSpPr/>
+            <p:nvPr/>
+          </p:nvSpPr>
+          <p:spPr>
+            <a:xfrm>
+              <a:off x="6807739" y="1193894"/>
+              <a:ext cx="1690778" cy="1069675"/>
+            </a:xfrm>
+            <a:prstGeom prst="roundRect">
+              <a:avLst/>
+            </a:prstGeom>
+            <a:solidFill>
+              <a:srgbClr val="FF0000"/>
+            </a:solidFill>
+            <a:ln w="57150">
+              <a:solidFill>
+                <a:schemeClr val="tx1"/>
+              </a:solidFill>
+            </a:ln>
+          </p:spPr>
+          <p:style>
+            <a:lnRef idx="2">
+              <a:schemeClr val="accent1">
+                <a:shade val="50000"/>
+              </a:schemeClr>
+            </a:lnRef>
+            <a:fillRef idx="1">
+              <a:schemeClr val="accent1"/>
+            </a:fillRef>
+            <a:effectRef idx="0">
+              <a:schemeClr val="accent1"/>
+            </a:effectRef>
+            <a:fontRef idx="minor">
+              <a:schemeClr val="lt1"/>
+            </a:fontRef>
+          </p:style>
+          <p:txBody>
+            <a:bodyPr rtlCol="0" anchor="ctr"/>
+            <a:lstStyle/>
+            <a:p>
+              <a:pPr algn="ctr"/>
+              <a:endParaRPr lang="en-US"/>
+            </a:p>
+          </p:txBody>
+        </p:sp>
+        <p:sp>
+          <p:nvSpPr>
+            <p:cNvPr id="9" name="Rectangle: Rounded Corners 8">
+              <a:extLst>
+                <a:ext uri="{FF2B5EF4-FFF2-40B4-BE49-F238E27FC236}">
+                  <a16:creationId xmlns:a16="http://schemas.microsoft.com/office/drawing/2014/main" id="{E09F3F68-BD9B-4EB2-AA1E-BB5AE896C0EF}"/>
+                </a:ext>
+              </a:extLst>
+            </p:cNvPr>
+            <p:cNvSpPr/>
+            <p:nvPr/>
+          </p:nvSpPr>
+          <p:spPr>
+            <a:xfrm>
+              <a:off x="3211474" y="4185005"/>
+              <a:ext cx="1690778" cy="1069675"/>
+            </a:xfrm>
+            <a:prstGeom prst="roundRect">
+              <a:avLst/>
+            </a:prstGeom>
+            <a:solidFill>
+              <a:srgbClr val="FF0000"/>
+            </a:solidFill>
+            <a:ln w="57150">
+              <a:solidFill>
+                <a:schemeClr val="tx1"/>
+              </a:solidFill>
+            </a:ln>
+          </p:spPr>
+          <p:style>
+            <a:lnRef idx="2">
+              <a:schemeClr val="accent1">
+                <a:shade val="50000"/>
+              </a:schemeClr>
+            </a:lnRef>
+            <a:fillRef idx="1">
+              <a:schemeClr val="accent1"/>
+            </a:fillRef>
+            <a:effectRef idx="0">
+              <a:schemeClr val="accent1"/>
+            </a:effectRef>
+            <a:fontRef idx="minor">
+              <a:schemeClr val="lt1"/>
+            </a:fontRef>
+          </p:style>
+          <p:txBody>
+            <a:bodyPr rtlCol="0" anchor="ctr"/>
+            <a:lstStyle/>
+            <a:p>
+              <a:pPr algn="ctr"/>
+              <a:endParaRPr lang="en-US"/>
+            </a:p>
+          </p:txBody>
+        </p:sp>
+        <p:sp>
+          <p:nvSpPr>
+            <p:cNvPr id="10" name="Rectangle: Rounded Corners 9">
+              <a:extLst>
+                <a:ext uri="{FF2B5EF4-FFF2-40B4-BE49-F238E27FC236}">
+                  <a16:creationId xmlns:a16="http://schemas.microsoft.com/office/drawing/2014/main" id="{FDA0C16C-89E9-449C-805F-5B2449676629}"/>
+                </a:ext>
+              </a:extLst>
+            </p:cNvPr>
+            <p:cNvSpPr/>
+            <p:nvPr/>
+          </p:nvSpPr>
+          <p:spPr>
+            <a:xfrm>
+              <a:off x="6908479" y="4085798"/>
+              <a:ext cx="1690778" cy="1069675"/>
+            </a:xfrm>
+            <a:prstGeom prst="roundRect">
+              <a:avLst/>
+            </a:prstGeom>
+            <a:solidFill>
+              <a:srgbClr val="FF0000"/>
+            </a:solidFill>
+            <a:ln w="57150">
+              <a:solidFill>
+                <a:schemeClr val="tx1"/>
+              </a:solidFill>
+            </a:ln>
+          </p:spPr>
+          <p:style>
+            <a:lnRef idx="2">
+              <a:schemeClr val="accent1">
+                <a:shade val="50000"/>
+              </a:schemeClr>
+            </a:lnRef>
+            <a:fillRef idx="1">
+              <a:schemeClr val="accent1"/>
+            </a:fillRef>
+            <a:effectRef idx="0">
+              <a:schemeClr val="accent1"/>
+            </a:effectRef>
+            <a:fontRef idx="minor">
+              <a:schemeClr val="lt1"/>
+            </a:fontRef>
+          </p:style>
+          <p:txBody>
+            <a:bodyPr rtlCol="0" anchor="ctr"/>
+            <a:lstStyle/>
+            <a:p>
+              <a:pPr algn="ctr"/>
+              <a:endParaRPr lang="en-US"/>
+            </a:p>
+          </p:txBody>
+        </p:sp>
+        <p:sp>
+          <p:nvSpPr>
+            <p:cNvPr id="11" name="Rectangle: Rounded Corners 10">
+              <a:extLst>
+                <a:ext uri="{FF2B5EF4-FFF2-40B4-BE49-F238E27FC236}">
+                  <a16:creationId xmlns:a16="http://schemas.microsoft.com/office/drawing/2014/main" id="{51D75F8A-7725-4F54-A71D-8CE0263B75F7}"/>
+                </a:ext>
+              </a:extLst>
+            </p:cNvPr>
+            <p:cNvSpPr/>
+            <p:nvPr/>
+          </p:nvSpPr>
+          <p:spPr>
+            <a:xfrm>
+              <a:off x="4968815" y="2689285"/>
+              <a:ext cx="1690778" cy="1069675"/>
+            </a:xfrm>
+            <a:prstGeom prst="roundRect">
+              <a:avLst/>
+            </a:prstGeom>
+            <a:solidFill>
+              <a:srgbClr val="00B0F0"/>
+            </a:solidFill>
+            <a:ln w="57150">
+              <a:solidFill>
+                <a:schemeClr val="tx1"/>
+              </a:solidFill>
+            </a:ln>
+          </p:spPr>
+          <p:style>
+            <a:lnRef idx="2">
+              <a:schemeClr val="accent1">
+                <a:shade val="50000"/>
+              </a:schemeClr>
+            </a:lnRef>
+            <a:fillRef idx="1">
+              <a:schemeClr val="accent1"/>
+            </a:fillRef>
+            <a:effectRef idx="0">
+              <a:schemeClr val="accent1"/>
+            </a:effectRef>
+            <a:fontRef idx="minor">
+              <a:schemeClr val="lt1"/>
+            </a:fontRef>
+          </p:style>
+          <p:txBody>
+            <a:bodyPr rtlCol="0" anchor="ctr"/>
+            <a:lstStyle/>
+            <a:p>
+              <a:pPr algn="ctr"/>
+              <a:endParaRPr lang="en-US"/>
+            </a:p>
+          </p:txBody>
+        </p:sp>
+        <p:sp>
+          <p:nvSpPr>
+            <p:cNvPr id="15" name="Arrow: Right 14">
+              <a:extLst>
+                <a:ext uri="{FF2B5EF4-FFF2-40B4-BE49-F238E27FC236}">
+                  <a16:creationId xmlns:a16="http://schemas.microsoft.com/office/drawing/2014/main" id="{9741465B-8FDB-44B9-9275-99624A502A4F}"/>
+                </a:ext>
+              </a:extLst>
+            </p:cNvPr>
+            <p:cNvSpPr/>
+            <p:nvPr/>
+          </p:nvSpPr>
+          <p:spPr>
+            <a:xfrm rot="13424781">
+              <a:off x="4058191" y="2447612"/>
+              <a:ext cx="879895" cy="467984"/>
+            </a:xfrm>
+            <a:prstGeom prst="rightArrow">
+              <a:avLst>
+                <a:gd name="adj1" fmla="val 46314"/>
+                <a:gd name="adj2" fmla="val 72120"/>
+              </a:avLst>
+            </a:prstGeom>
+            <a:solidFill>
+              <a:srgbClr val="990099"/>
+            </a:solidFill>
+            <a:ln>
+              <a:noFill/>
+            </a:ln>
+          </p:spPr>
+          <p:style>
+            <a:lnRef idx="2">
+              <a:schemeClr val="accent1">
+                <a:shade val="50000"/>
+              </a:schemeClr>
+            </a:lnRef>
+            <a:fillRef idx="1">
+              <a:schemeClr val="accent1"/>
+            </a:fillRef>
+            <a:effectRef idx="0">
+              <a:schemeClr val="accent1"/>
+            </a:effectRef>
+            <a:fontRef idx="minor">
+              <a:schemeClr val="lt1"/>
+            </a:fontRef>
+          </p:style>
+          <p:txBody>
+            <a:bodyPr rtlCol="0" anchor="ctr"/>
+            <a:lstStyle/>
+            <a:p>
+              <a:pPr algn="ctr"/>
+              <a:endParaRPr lang="en-US"/>
+            </a:p>
+          </p:txBody>
+        </p:sp>
+        <p:sp>
+          <p:nvSpPr>
+            <p:cNvPr id="16" name="Arrow: Left-Right 15">
+              <a:extLst>
+                <a:ext uri="{FF2B5EF4-FFF2-40B4-BE49-F238E27FC236}">
+                  <a16:creationId xmlns:a16="http://schemas.microsoft.com/office/drawing/2014/main" id="{AD9568E8-0137-4ED9-A3F9-809CAAF0429F}"/>
+                </a:ext>
+              </a:extLst>
+            </p:cNvPr>
+            <p:cNvSpPr/>
+            <p:nvPr/>
+          </p:nvSpPr>
+          <p:spPr>
+            <a:xfrm rot="19552968">
+              <a:off x="3888222" y="3598469"/>
+              <a:ext cx="1078302" cy="370935"/>
+            </a:xfrm>
+            <a:prstGeom prst="leftRightArrow">
+              <a:avLst>
+                <a:gd name="adj1" fmla="val 54651"/>
+                <a:gd name="adj2" fmla="val 63954"/>
+              </a:avLst>
+            </a:prstGeom>
+            <a:solidFill>
+              <a:srgbClr val="00B050"/>
+            </a:solidFill>
+            <a:ln>
+              <a:noFill/>
+            </a:ln>
+          </p:spPr>
+          <p:style>
+            <a:lnRef idx="2">
+              <a:schemeClr val="accent1">
+                <a:shade val="50000"/>
+              </a:schemeClr>
+            </a:lnRef>
+            <a:fillRef idx="1">
+              <a:schemeClr val="accent1"/>
+            </a:fillRef>
+            <a:effectRef idx="0">
+              <a:schemeClr val="accent1"/>
+            </a:effectRef>
+            <a:fontRef idx="minor">
+              <a:schemeClr val="lt1"/>
+            </a:fontRef>
+          </p:style>
+          <p:txBody>
+            <a:bodyPr rtlCol="0" anchor="ctr"/>
+            <a:lstStyle/>
+            <a:p>
+              <a:pPr algn="ctr"/>
+              <a:endParaRPr lang="en-US"/>
+            </a:p>
+          </p:txBody>
+        </p:sp>
+        <p:sp>
+          <p:nvSpPr>
+            <p:cNvPr id="17" name="Arrow: Left-Right 16">
+              <a:extLst>
+                <a:ext uri="{FF2B5EF4-FFF2-40B4-BE49-F238E27FC236}">
+                  <a16:creationId xmlns:a16="http://schemas.microsoft.com/office/drawing/2014/main" id="{9E7C1CAF-EC76-41C5-937F-8B5C21763C91}"/>
+                </a:ext>
+              </a:extLst>
+            </p:cNvPr>
+            <p:cNvSpPr/>
+            <p:nvPr/>
+          </p:nvSpPr>
+          <p:spPr>
+            <a:xfrm rot="1567122">
+              <a:off x="6718235" y="3525452"/>
+              <a:ext cx="1078302" cy="370935"/>
+            </a:xfrm>
+            <a:prstGeom prst="leftRightArrow">
+              <a:avLst>
+                <a:gd name="adj1" fmla="val 54651"/>
+                <a:gd name="adj2" fmla="val 63954"/>
+              </a:avLst>
+            </a:prstGeom>
+            <a:solidFill>
+              <a:srgbClr val="00B050"/>
+            </a:solidFill>
+            <a:ln>
+              <a:noFill/>
+            </a:ln>
+          </p:spPr>
+          <p:style>
+            <a:lnRef idx="2">
+              <a:schemeClr val="accent1">
+                <a:shade val="50000"/>
+              </a:schemeClr>
+            </a:lnRef>
+            <a:fillRef idx="1">
+              <a:schemeClr val="accent1"/>
+            </a:fillRef>
+            <a:effectRef idx="0">
+              <a:schemeClr val="accent1"/>
+            </a:effectRef>
+            <a:fontRef idx="minor">
+              <a:schemeClr val="lt1"/>
+            </a:fontRef>
+          </p:style>
+          <p:txBody>
+            <a:bodyPr rtlCol="0" anchor="ctr"/>
+            <a:lstStyle/>
+            <a:p>
+              <a:pPr algn="ctr"/>
+              <a:endParaRPr lang="en-US"/>
+            </a:p>
+          </p:txBody>
+        </p:sp>
+        <p:sp>
+          <p:nvSpPr>
+            <p:cNvPr id="18" name="Arrow: Right 17">
+              <a:extLst>
+                <a:ext uri="{FF2B5EF4-FFF2-40B4-BE49-F238E27FC236}">
+                  <a16:creationId xmlns:a16="http://schemas.microsoft.com/office/drawing/2014/main" id="{AFE7322A-8BDE-4534-9EC9-A663BFD952D7}"/>
+                </a:ext>
+              </a:extLst>
+            </p:cNvPr>
+            <p:cNvSpPr/>
+            <p:nvPr/>
+          </p:nvSpPr>
+          <p:spPr>
+            <a:xfrm rot="19142001">
+              <a:off x="6716413" y="2494701"/>
+              <a:ext cx="879895" cy="467984"/>
+            </a:xfrm>
+            <a:prstGeom prst="rightArrow">
+              <a:avLst>
+                <a:gd name="adj1" fmla="val 46314"/>
+                <a:gd name="adj2" fmla="val 72120"/>
+              </a:avLst>
+            </a:prstGeom>
+            <a:solidFill>
+              <a:srgbClr val="990099"/>
+            </a:solidFill>
+            <a:ln>
+              <a:noFill/>
+            </a:ln>
+          </p:spPr>
+          <p:style>
+            <a:lnRef idx="2">
+              <a:schemeClr val="accent1">
+                <a:shade val="50000"/>
+              </a:schemeClr>
+            </a:lnRef>
+            <a:fillRef idx="1">
+              <a:schemeClr val="accent1"/>
+            </a:fillRef>
+            <a:effectRef idx="0">
+              <a:schemeClr val="accent1"/>
+            </a:effectRef>
+            <a:fontRef idx="minor">
+              <a:schemeClr val="lt1"/>
+            </a:fontRef>
+          </p:style>
+          <p:txBody>
+            <a:bodyPr rtlCol="0" anchor="ctr"/>
+            <a:lstStyle/>
+            <a:p>
+              <a:pPr algn="ctr"/>
+              <a:endParaRPr lang="en-US"/>
+            </a:p>
+          </p:txBody>
+        </p:sp>
+        <p:sp>
+          <p:nvSpPr>
+            <p:cNvPr id="19" name="TextBox 18">
+              <a:extLst>
+                <a:ext uri="{FF2B5EF4-FFF2-40B4-BE49-F238E27FC236}">
+                  <a16:creationId xmlns:a16="http://schemas.microsoft.com/office/drawing/2014/main" id="{DDD6AC3B-73EA-45D1-A729-04C1DCAB9736}"/>
+                </a:ext>
+              </a:extLst>
+            </p:cNvPr>
+            <p:cNvSpPr txBox="1"/>
+            <p:nvPr/>
+          </p:nvSpPr>
+          <p:spPr>
+            <a:xfrm>
+              <a:off x="5196185" y="3024067"/>
+              <a:ext cx="1294923" cy="400110"/>
+            </a:xfrm>
+            <a:prstGeom prst="rect">
+              <a:avLst/>
+            </a:prstGeom>
+            <a:noFill/>
+          </p:spPr>
+          <p:txBody>
+            <a:bodyPr wrap="square" rtlCol="0">
+              <a:spAutoFit/>
+            </a:bodyPr>
+            <a:lstStyle/>
+            <a:p>
+              <a:r>
+                <a:rPr lang="en-US" sz="2000" b="1" dirty="0"/>
+                <a:t>Salesforce</a:t>
+              </a:r>
+            </a:p>
+          </p:txBody>
+        </p:sp>
+        <p:sp>
+          <p:nvSpPr>
+            <p:cNvPr id="20" name="TextBox 19">
+              <a:extLst>
+                <a:ext uri="{FF2B5EF4-FFF2-40B4-BE49-F238E27FC236}">
+                  <a16:creationId xmlns:a16="http://schemas.microsoft.com/office/drawing/2014/main" id="{79C52BCA-13D3-4AF6-95CF-E6D5FB85C9C2}"/>
+                </a:ext>
+              </a:extLst>
+            </p:cNvPr>
+            <p:cNvSpPr txBox="1"/>
+            <p:nvPr/>
+          </p:nvSpPr>
+          <p:spPr>
+            <a:xfrm>
+              <a:off x="3466429" y="1468242"/>
+              <a:ext cx="1177236" cy="400110"/>
+            </a:xfrm>
+            <a:prstGeom prst="rect">
+              <a:avLst/>
+            </a:prstGeom>
+            <a:noFill/>
+          </p:spPr>
+          <p:txBody>
+            <a:bodyPr wrap="square" rtlCol="0">
+              <a:spAutoFit/>
+            </a:bodyPr>
+            <a:lstStyle/>
+            <a:p>
+              <a:pPr algn="ctr"/>
+              <a:r>
+                <a:rPr lang="en-US" sz="2000" b="1" dirty="0"/>
+                <a:t>About</a:t>
+              </a:r>
+            </a:p>
+          </p:txBody>
+        </p:sp>
+        <p:sp>
+          <p:nvSpPr>
+            <p:cNvPr id="21" name="TextBox 20">
+              <a:extLst>
+                <a:ext uri="{FF2B5EF4-FFF2-40B4-BE49-F238E27FC236}">
+                  <a16:creationId xmlns:a16="http://schemas.microsoft.com/office/drawing/2014/main" id="{3274ED4D-D45C-4BB9-84C7-5AA1C3E387CF}"/>
+                </a:ext>
+              </a:extLst>
+            </p:cNvPr>
+            <p:cNvSpPr txBox="1"/>
+            <p:nvPr/>
+          </p:nvSpPr>
+          <p:spPr>
+            <a:xfrm>
+              <a:off x="6908479" y="1370344"/>
+              <a:ext cx="1519746" cy="707886"/>
+            </a:xfrm>
+            <a:prstGeom prst="rect">
+              <a:avLst/>
+            </a:prstGeom>
+            <a:noFill/>
+          </p:spPr>
+          <p:txBody>
+            <a:bodyPr wrap="square" rtlCol="0">
+              <a:spAutoFit/>
+            </a:bodyPr>
+            <a:lstStyle/>
+            <a:p>
+              <a:pPr algn="ctr"/>
+              <a:r>
+                <a:rPr lang="en-US" sz="2000" b="1" dirty="0"/>
+                <a:t>Subscription Options</a:t>
+              </a:r>
+            </a:p>
+          </p:txBody>
+        </p:sp>
+        <p:sp>
+          <p:nvSpPr>
+            <p:cNvPr id="22" name="TextBox 21">
+              <a:extLst>
+                <a:ext uri="{FF2B5EF4-FFF2-40B4-BE49-F238E27FC236}">
+                  <a16:creationId xmlns:a16="http://schemas.microsoft.com/office/drawing/2014/main" id="{69124E24-4FF3-46F8-85B9-30E5460BFB32}"/>
+                </a:ext>
+              </a:extLst>
+            </p:cNvPr>
+            <p:cNvSpPr txBox="1"/>
+            <p:nvPr/>
+          </p:nvSpPr>
+          <p:spPr>
+            <a:xfrm>
+              <a:off x="7123984" y="4281193"/>
+              <a:ext cx="1304241" cy="707886"/>
+            </a:xfrm>
+            <a:prstGeom prst="rect">
+              <a:avLst/>
+            </a:prstGeom>
+            <a:noFill/>
+          </p:spPr>
+          <p:txBody>
+            <a:bodyPr wrap="square" rtlCol="0">
+              <a:spAutoFit/>
+            </a:bodyPr>
+            <a:lstStyle/>
+            <a:p>
+              <a:pPr algn="ctr"/>
+              <a:r>
+                <a:rPr lang="en-US" sz="2000" b="1" dirty="0"/>
+                <a:t>Subscriber Help</a:t>
+              </a:r>
+            </a:p>
+          </p:txBody>
+        </p:sp>
+        <p:sp>
+          <p:nvSpPr>
+            <p:cNvPr id="23" name="TextBox 22">
+              <a:extLst>
+                <a:ext uri="{FF2B5EF4-FFF2-40B4-BE49-F238E27FC236}">
+                  <a16:creationId xmlns:a16="http://schemas.microsoft.com/office/drawing/2014/main" id="{C28FC830-528E-411B-A90B-A5CA00E8B193}"/>
+                </a:ext>
+              </a:extLst>
+            </p:cNvPr>
+            <p:cNvSpPr txBox="1"/>
+            <p:nvPr/>
+          </p:nvSpPr>
+          <p:spPr>
+            <a:xfrm>
+              <a:off x="3429901" y="4519787"/>
+              <a:ext cx="1177236" cy="400110"/>
+            </a:xfrm>
+            <a:prstGeom prst="rect">
+              <a:avLst/>
+            </a:prstGeom>
+            <a:noFill/>
+          </p:spPr>
+          <p:txBody>
+            <a:bodyPr wrap="square" rtlCol="0">
+              <a:spAutoFit/>
+            </a:bodyPr>
+            <a:lstStyle/>
+            <a:p>
+              <a:pPr algn="ctr"/>
+              <a:r>
+                <a:rPr lang="en-US" sz="2000" b="1" dirty="0"/>
+                <a:t>Signup</a:t>
+              </a:r>
+            </a:p>
+          </p:txBody>
+        </p:sp>
+        <p:sp>
+          <p:nvSpPr>
+            <p:cNvPr id="24" name="TextBox 23">
+              <a:extLst>
+                <a:ext uri="{FF2B5EF4-FFF2-40B4-BE49-F238E27FC236}">
+                  <a16:creationId xmlns:a16="http://schemas.microsoft.com/office/drawing/2014/main" id="{5E1924DD-6ECD-4A9B-A678-DBF1B1958D5D}"/>
+                </a:ext>
+              </a:extLst>
+            </p:cNvPr>
+            <p:cNvSpPr txBox="1"/>
+            <p:nvPr/>
+          </p:nvSpPr>
+          <p:spPr>
+            <a:xfrm>
+              <a:off x="4259727" y="519299"/>
+              <a:ext cx="3393401" cy="461665"/>
+            </a:xfrm>
+            <a:prstGeom prst="rect">
+              <a:avLst/>
+            </a:prstGeom>
+            <a:noFill/>
+          </p:spPr>
+          <p:txBody>
+            <a:bodyPr wrap="square" rtlCol="0">
+              <a:spAutoFit/>
+            </a:bodyPr>
+            <a:lstStyle/>
+            <a:p>
+              <a:pPr algn="ctr"/>
+              <a:r>
+                <a:rPr lang="en-US" sz="2400" b="1" dirty="0"/>
+                <a:t>VLB Experience Website</a:t>
+              </a:r>
+            </a:p>
+          </p:txBody>
+        </p:sp>
+      </p:grpSp>
+    </p:spTree>
+    <p:extLst>
+      <p:ext uri="{BB962C8B-B14F-4D97-AF65-F5344CB8AC3E}">
+        <p14:creationId xmlns:p14="http://schemas.microsoft.com/office/powerpoint/2010/main" val="2631947912"/>
+      </p:ext>
+    </p:extLst>
+  </p:cSld>
+  <p:clrMapOvr>
+    <a:masterClrMapping/>
+  </p:clrMapOvr>
+</p:sld>
+</file>
+
 <file path=ppt/theme/theme1.xml><?xml version="1.0" encoding="utf-8"?>
 <a:theme xmlns:a="http://schemas.openxmlformats.org/drawingml/2006/main" name="Office Theme">
   <a:themeElements>

--- a/Images/VLB Logo.pptx
+++ b/Images/VLB Logo.pptx
@@ -260,7 +260,7 @@
           <a:p>
             <a:fld id="{A0CA092F-2487-4940-BEC3-1FCB43967E1D}" type="datetimeFigureOut">
               <a:rPr lang="en-US" smtClean="0"/>
-              <a:t>1/19/2022</a:t>
+              <a:t>1/20/2022</a:t>
             </a:fld>
             <a:endParaRPr lang="en-US"/>
           </a:p>
@@ -458,7 +458,7 @@
           <a:p>
             <a:fld id="{A0CA092F-2487-4940-BEC3-1FCB43967E1D}" type="datetimeFigureOut">
               <a:rPr lang="en-US" smtClean="0"/>
-              <a:t>1/19/2022</a:t>
+              <a:t>1/20/2022</a:t>
             </a:fld>
             <a:endParaRPr lang="en-US"/>
           </a:p>
@@ -666,7 +666,7 @@
           <a:p>
             <a:fld id="{A0CA092F-2487-4940-BEC3-1FCB43967E1D}" type="datetimeFigureOut">
               <a:rPr lang="en-US" smtClean="0"/>
-              <a:t>1/19/2022</a:t>
+              <a:t>1/20/2022</a:t>
             </a:fld>
             <a:endParaRPr lang="en-US"/>
           </a:p>
@@ -864,7 +864,7 @@
           <a:p>
             <a:fld id="{A0CA092F-2487-4940-BEC3-1FCB43967E1D}" type="datetimeFigureOut">
               <a:rPr lang="en-US" smtClean="0"/>
-              <a:t>1/19/2022</a:t>
+              <a:t>1/20/2022</a:t>
             </a:fld>
             <a:endParaRPr lang="en-US"/>
           </a:p>
@@ -1139,7 +1139,7 @@
           <a:p>
             <a:fld id="{A0CA092F-2487-4940-BEC3-1FCB43967E1D}" type="datetimeFigureOut">
               <a:rPr lang="en-US" smtClean="0"/>
-              <a:t>1/19/2022</a:t>
+              <a:t>1/20/2022</a:t>
             </a:fld>
             <a:endParaRPr lang="en-US"/>
           </a:p>
@@ -1404,7 +1404,7 @@
           <a:p>
             <a:fld id="{A0CA092F-2487-4940-BEC3-1FCB43967E1D}" type="datetimeFigureOut">
               <a:rPr lang="en-US" smtClean="0"/>
-              <a:t>1/19/2022</a:t>
+              <a:t>1/20/2022</a:t>
             </a:fld>
             <a:endParaRPr lang="en-US"/>
           </a:p>
@@ -1816,7 +1816,7 @@
           <a:p>
             <a:fld id="{A0CA092F-2487-4940-BEC3-1FCB43967E1D}" type="datetimeFigureOut">
               <a:rPr lang="en-US" smtClean="0"/>
-              <a:t>1/19/2022</a:t>
+              <a:t>1/20/2022</a:t>
             </a:fld>
             <a:endParaRPr lang="en-US"/>
           </a:p>
@@ -1957,7 +1957,7 @@
           <a:p>
             <a:fld id="{A0CA092F-2487-4940-BEC3-1FCB43967E1D}" type="datetimeFigureOut">
               <a:rPr lang="en-US" smtClean="0"/>
-              <a:t>1/19/2022</a:t>
+              <a:t>1/20/2022</a:t>
             </a:fld>
             <a:endParaRPr lang="en-US"/>
           </a:p>
@@ -2070,7 +2070,7 @@
           <a:p>
             <a:fld id="{A0CA092F-2487-4940-BEC3-1FCB43967E1D}" type="datetimeFigureOut">
               <a:rPr lang="en-US" smtClean="0"/>
-              <a:t>1/19/2022</a:t>
+              <a:t>1/20/2022</a:t>
             </a:fld>
             <a:endParaRPr lang="en-US"/>
           </a:p>
@@ -2381,7 +2381,7 @@
           <a:p>
             <a:fld id="{A0CA092F-2487-4940-BEC3-1FCB43967E1D}" type="datetimeFigureOut">
               <a:rPr lang="en-US" smtClean="0"/>
-              <a:t>1/19/2022</a:t>
+              <a:t>1/20/2022</a:t>
             </a:fld>
             <a:endParaRPr lang="en-US"/>
           </a:p>
@@ -2669,7 +2669,7 @@
           <a:p>
             <a:fld id="{A0CA092F-2487-4940-BEC3-1FCB43967E1D}" type="datetimeFigureOut">
               <a:rPr lang="en-US" smtClean="0"/>
-              <a:t>1/19/2022</a:t>
+              <a:t>1/20/2022</a:t>
             </a:fld>
             <a:endParaRPr lang="en-US"/>
           </a:p>
@@ -2910,7 +2910,7 @@
           <a:p>
             <a:fld id="{A0CA092F-2487-4940-BEC3-1FCB43967E1D}" type="datetimeFigureOut">
               <a:rPr lang="en-US" smtClean="0"/>
-              <a:t>1/19/2022</a:t>
+              <a:t>1/20/2022</a:t>
             </a:fld>
             <a:endParaRPr lang="en-US"/>
           </a:p>
@@ -4372,8 +4372,8 @@
           </p:nvSpPr>
           <p:spPr>
             <a:xfrm>
-              <a:off x="6908479" y="1370344"/>
-              <a:ext cx="1519746" cy="707886"/>
+              <a:off x="6807739" y="1468183"/>
+              <a:ext cx="1690778" cy="400110"/>
             </a:xfrm>
             <a:prstGeom prst="rect">
               <a:avLst/>
@@ -4389,7 +4389,7 @@
               <a:pPr algn="ctr"/>
               <a:r>
                 <a:rPr lang="en-US" sz="2000" b="1" dirty="0"/>
-                <a:t>Subscription Options</a:t>
+                <a:t>Subscriptions</a:t>
               </a:r>
             </a:p>
           </p:txBody>
